--- a/cse103/slides/conditions.pptx
+++ b/cse103/slides/conditions.pptx
@@ -45,8 +45,8 @@
     <p:sldId id="342" r:id="rId39"/>
     <p:sldId id="343" r:id="rId40"/>
     <p:sldId id="344" r:id="rId41"/>
-    <p:sldId id="345" r:id="rId42"/>
-    <p:sldId id="351" r:id="rId43"/>
+    <p:sldId id="351" r:id="rId42"/>
+    <p:sldId id="345" r:id="rId43"/>
     <p:sldId id="353" r:id="rId44"/>
     <p:sldId id="362" r:id="rId45"/>
     <p:sldId id="363" r:id="rId46"/>
@@ -360,7 +360,7 @@
             <a:fld id="{1D8BD707-D9CF-40AE-B4C6-C98DA3205C09}" type="datetimeFigureOut">
               <a:rPr lang="en-US" smtClean="0"/>
               <a:pPr/>
-              <a:t>7/16/2020</a:t>
+              <a:t>7/18/2020</a:t>
             </a:fld>
             <a:endParaRPr lang="en-US"/>
           </a:p>
@@ -525,7 +525,7 @@
             <a:fld id="{1D8BD707-D9CF-40AE-B4C6-C98DA3205C09}" type="datetimeFigureOut">
               <a:rPr lang="en-US" smtClean="0"/>
               <a:pPr/>
-              <a:t>7/16/2020</a:t>
+              <a:t>7/18/2020</a:t>
             </a:fld>
             <a:endParaRPr lang="en-US"/>
           </a:p>
@@ -700,7 +700,7 @@
             <a:fld id="{1D8BD707-D9CF-40AE-B4C6-C98DA3205C09}" type="datetimeFigureOut">
               <a:rPr lang="en-US" smtClean="0"/>
               <a:pPr/>
-              <a:t>7/16/2020</a:t>
+              <a:t>7/18/2020</a:t>
             </a:fld>
             <a:endParaRPr lang="en-US"/>
           </a:p>
@@ -865,7 +865,7 @@
             <a:fld id="{1D8BD707-D9CF-40AE-B4C6-C98DA3205C09}" type="datetimeFigureOut">
               <a:rPr lang="en-US" smtClean="0"/>
               <a:pPr/>
-              <a:t>7/16/2020</a:t>
+              <a:t>7/18/2020</a:t>
             </a:fld>
             <a:endParaRPr lang="en-US"/>
           </a:p>
@@ -1107,7 +1107,7 @@
             <a:fld id="{1D8BD707-D9CF-40AE-B4C6-C98DA3205C09}" type="datetimeFigureOut">
               <a:rPr lang="en-US" smtClean="0"/>
               <a:pPr/>
-              <a:t>7/16/2020</a:t>
+              <a:t>7/18/2020</a:t>
             </a:fld>
             <a:endParaRPr lang="en-US"/>
           </a:p>
@@ -1389,7 +1389,7 @@
             <a:fld id="{1D8BD707-D9CF-40AE-B4C6-C98DA3205C09}" type="datetimeFigureOut">
               <a:rPr lang="en-US" smtClean="0"/>
               <a:pPr/>
-              <a:t>7/16/2020</a:t>
+              <a:t>7/18/2020</a:t>
             </a:fld>
             <a:endParaRPr lang="en-US"/>
           </a:p>
@@ -1805,7 +1805,7 @@
             <a:fld id="{1D8BD707-D9CF-40AE-B4C6-C98DA3205C09}" type="datetimeFigureOut">
               <a:rPr lang="en-US" smtClean="0"/>
               <a:pPr/>
-              <a:t>7/16/2020</a:t>
+              <a:t>7/18/2020</a:t>
             </a:fld>
             <a:endParaRPr lang="en-US"/>
           </a:p>
@@ -1919,7 +1919,7 @@
             <a:fld id="{1D8BD707-D9CF-40AE-B4C6-C98DA3205C09}" type="datetimeFigureOut">
               <a:rPr lang="en-US" smtClean="0"/>
               <a:pPr/>
-              <a:t>7/16/2020</a:t>
+              <a:t>7/18/2020</a:t>
             </a:fld>
             <a:endParaRPr lang="en-US"/>
           </a:p>
@@ -2011,7 +2011,7 @@
             <a:fld id="{1D8BD707-D9CF-40AE-B4C6-C98DA3205C09}" type="datetimeFigureOut">
               <a:rPr lang="en-US" smtClean="0"/>
               <a:pPr/>
-              <a:t>7/16/2020</a:t>
+              <a:t>7/18/2020</a:t>
             </a:fld>
             <a:endParaRPr lang="en-US"/>
           </a:p>
@@ -2283,7 +2283,7 @@
             <a:fld id="{1D8BD707-D9CF-40AE-B4C6-C98DA3205C09}" type="datetimeFigureOut">
               <a:rPr lang="en-US" smtClean="0"/>
               <a:pPr/>
-              <a:t>7/16/2020</a:t>
+              <a:t>7/18/2020</a:t>
             </a:fld>
             <a:endParaRPr lang="en-US"/>
           </a:p>
@@ -2532,7 +2532,7 @@
             <a:fld id="{1D8BD707-D9CF-40AE-B4C6-C98DA3205C09}" type="datetimeFigureOut">
               <a:rPr lang="en-US" smtClean="0"/>
               <a:pPr/>
-              <a:t>7/16/2020</a:t>
+              <a:t>7/18/2020</a:t>
             </a:fld>
             <a:endParaRPr lang="en-US"/>
           </a:p>
@@ -2740,7 +2740,7 @@
             <a:fld id="{1D8BD707-D9CF-40AE-B4C6-C98DA3205C09}" type="datetimeFigureOut">
               <a:rPr lang="en-US" smtClean="0"/>
               <a:pPr/>
-              <a:t>7/16/2020</a:t>
+              <a:t>7/18/2020</a:t>
             </a:fld>
             <a:endParaRPr lang="en-US"/>
           </a:p>
@@ -3206,13 +3206,7 @@
               <a:rPr lang="en-US" sz="4000" dirty="0" smtClean="0">
                 <a:latin typeface="Comic Sans MS" pitchFamily="66" charset="0"/>
               </a:rPr>
-              <a:t>Check if a number is </a:t>
-            </a:r>
-            <a:r>
-              <a:rPr lang="en-US" sz="4000" dirty="0" smtClean="0">
-                <a:latin typeface="Comic Sans MS" pitchFamily="66" charset="0"/>
-              </a:rPr>
-              <a:t>positive</a:t>
+              <a:t>Check if a number is positive</a:t>
             </a:r>
             <a:endParaRPr lang="en-US" sz="4000" dirty="0">
               <a:latin typeface="Comic Sans MS" pitchFamily="66" charset="0"/>
@@ -3520,13 +3514,7 @@
               <a:rPr lang="en-US" sz="2800" dirty="0" smtClean="0">
                 <a:latin typeface="Comic Sans MS" panose="030F0702030302020204" pitchFamily="66" charset="0"/>
               </a:rPr>
-              <a:t>-1</a:t>
-            </a:r>
-            <a:r>
-              <a:rPr lang="en-US" sz="2800" dirty="0" smtClean="0">
-                <a:latin typeface="Comic Sans MS" panose="030F0702030302020204" pitchFamily="66" charset="0"/>
-              </a:rPr>
-              <a:t>0</a:t>
+              <a:t>-10</a:t>
             </a:r>
             <a:endParaRPr lang="en-US" sz="2800" dirty="0">
               <a:latin typeface="Comic Sans MS" panose="030F0702030302020204" pitchFamily="66" charset="0"/>
@@ -3600,13 +3588,7 @@
               <a:rPr lang="en-US" sz="4000" dirty="0" smtClean="0">
                 <a:latin typeface="Comic Sans MS" pitchFamily="66" charset="0"/>
               </a:rPr>
-              <a:t>Check if a number is </a:t>
-            </a:r>
-            <a:r>
-              <a:rPr lang="en-US" sz="4000" dirty="0" smtClean="0">
-                <a:latin typeface="Comic Sans MS" pitchFamily="66" charset="0"/>
-              </a:rPr>
-              <a:t>positive</a:t>
+              <a:t>Check if a number is positive</a:t>
             </a:r>
             <a:endParaRPr lang="en-US" sz="4000" dirty="0">
               <a:latin typeface="Comic Sans MS" pitchFamily="66" charset="0"/>
@@ -3914,13 +3896,7 @@
               <a:rPr lang="en-US" sz="2800" dirty="0" smtClean="0">
                 <a:latin typeface="Comic Sans MS" panose="030F0702030302020204" pitchFamily="66" charset="0"/>
               </a:rPr>
-              <a:t>-1</a:t>
-            </a:r>
-            <a:r>
-              <a:rPr lang="en-US" sz="2800" dirty="0" smtClean="0">
-                <a:latin typeface="Comic Sans MS" panose="030F0702030302020204" pitchFamily="66" charset="0"/>
-              </a:rPr>
-              <a:t>0</a:t>
+              <a:t>-10</a:t>
             </a:r>
             <a:endParaRPr lang="en-US" sz="2800" dirty="0">
               <a:latin typeface="Comic Sans MS" panose="030F0702030302020204" pitchFamily="66" charset="0"/>
@@ -4000,13 +3976,7 @@
               <a:rPr lang="en-US" sz="4000" dirty="0" smtClean="0">
                 <a:latin typeface="Comic Sans MS" pitchFamily="66" charset="0"/>
               </a:rPr>
-              <a:t>f-else </a:t>
-            </a:r>
-            <a:r>
-              <a:rPr lang="en-US" sz="4000" dirty="0" smtClean="0">
-                <a:latin typeface="Comic Sans MS" pitchFamily="66" charset="0"/>
-              </a:rPr>
-              <a:t>statements</a:t>
+              <a:t>f-else statements</a:t>
             </a:r>
             <a:endParaRPr lang="en-US" sz="4000" dirty="0">
               <a:latin typeface="Comic Sans MS" pitchFamily="66" charset="0"/>
@@ -12544,13 +12514,7 @@
               <a:rPr lang="en-US" sz="2800" dirty="0" smtClean="0">
                 <a:latin typeface="Comic Sans MS" pitchFamily="66" charset="0"/>
               </a:rPr>
-              <a:t>if(logical Expression</a:t>
-            </a:r>
-            <a:r>
-              <a:rPr lang="en-US" sz="2800" dirty="0" smtClean="0">
-                <a:latin typeface="Comic Sans MS" pitchFamily="66" charset="0"/>
-              </a:rPr>
-              <a:t>)</a:t>
+              <a:t>if(logical Expression)</a:t>
             </a:r>
           </a:p>
           <a:p>
@@ -17326,13 +17290,7 @@
               <a:rPr lang="en-US" sz="4000" dirty="0" smtClean="0">
                 <a:latin typeface="Comic Sans MS" pitchFamily="66" charset="0"/>
               </a:rPr>
-              <a:t>Check if a number is </a:t>
-            </a:r>
-            <a:r>
-              <a:rPr lang="en-US" sz="4000" dirty="0" smtClean="0">
-                <a:latin typeface="Comic Sans MS" pitchFamily="66" charset="0"/>
-              </a:rPr>
-              <a:t>positive</a:t>
+              <a:t>Check if a number is positive</a:t>
             </a:r>
             <a:endParaRPr lang="en-US" sz="4000" dirty="0">
               <a:latin typeface="Comic Sans MS" pitchFamily="66" charset="0"/>
@@ -18479,7 +18437,7 @@
               <a:rPr lang="en-US" sz="2800" dirty="0" smtClean="0">
                 <a:latin typeface="Comic Sans MS" pitchFamily="66" charset="0"/>
               </a:rPr>
-              <a:t>else  if(mark &lt; 60){</a:t>
+              <a:t>else {</a:t>
             </a:r>
           </a:p>
           <a:p>
@@ -18622,7 +18580,7 @@
     </p:spTree>
     <p:extLst>
       <p:ext uri="{BB962C8B-B14F-4D97-AF65-F5344CB8AC3E}">
-        <p14:creationId xmlns:p14="http://schemas.microsoft.com/office/powerpoint/2010/main" val="2843874790"/>
+        <p14:creationId xmlns:p14="http://schemas.microsoft.com/office/powerpoint/2010/main" val="3711627299"/>
       </p:ext>
     </p:extLst>
   </p:cSld>
@@ -18990,7 +18948,7 @@
               <a:rPr lang="en-US" sz="2800" dirty="0" smtClean="0">
                 <a:latin typeface="Comic Sans MS" pitchFamily="66" charset="0"/>
               </a:rPr>
-              <a:t>else {</a:t>
+              <a:t>else  if(mark &lt; 60){</a:t>
             </a:r>
           </a:p>
           <a:p>
@@ -19133,7 +19091,7 @@
     </p:spTree>
     <p:extLst>
       <p:ext uri="{BB962C8B-B14F-4D97-AF65-F5344CB8AC3E}">
-        <p14:creationId xmlns:p14="http://schemas.microsoft.com/office/powerpoint/2010/main" val="3711627299"/>
+        <p14:creationId xmlns:p14="http://schemas.microsoft.com/office/powerpoint/2010/main" val="2843874790"/>
       </p:ext>
     </p:extLst>
   </p:cSld>
@@ -21138,7 +21096,13 @@
               <a:rPr lang="en-US" sz="1800" dirty="0" smtClean="0">
                 <a:latin typeface="Comic Sans MS" pitchFamily="66" charset="0"/>
               </a:rPr>
-              <a:t>int a, b, c;</a:t>
+              <a:t>int a, b, </a:t>
+            </a:r>
+            <a:r>
+              <a:rPr lang="en-US" sz="1800" dirty="0" smtClean="0">
+                <a:latin typeface="Comic Sans MS" pitchFamily="66" charset="0"/>
+              </a:rPr>
+              <a:t>c, min;</a:t>
             </a:r>
             <a:endParaRPr lang="en-US" sz="1800" dirty="0">
               <a:latin typeface="Comic Sans MS" pitchFamily="66" charset="0"/>
@@ -21274,14 +21238,11 @@
               <a:buNone/>
             </a:pPr>
             <a:r>
-              <a:rPr lang="en-US" sz="1800" dirty="0" smtClean="0">
-                <a:latin typeface="Comic Sans MS" pitchFamily="66" charset="0"/>
-              </a:rPr>
-              <a:t>int a, b, c;</a:t>
-            </a:r>
-            <a:endParaRPr lang="en-US" sz="1800" dirty="0">
-              <a:latin typeface="Comic Sans MS" pitchFamily="66" charset="0"/>
-            </a:endParaRPr>
+              <a:rPr lang="en-US" sz="1800" dirty="0">
+                <a:latin typeface="Comic Sans MS" pitchFamily="66" charset="0"/>
+              </a:rPr>
+              <a:t>int a, b, c, min;</a:t>
+            </a:r>
           </a:p>
           <a:p>
             <a:pPr>
@@ -21796,14 +21757,11 @@
               <a:buNone/>
             </a:pPr>
             <a:r>
-              <a:rPr lang="en-US" sz="1800" dirty="0" smtClean="0">
-                <a:latin typeface="Comic Sans MS" pitchFamily="66" charset="0"/>
-              </a:rPr>
-              <a:t>int a, b, c;</a:t>
-            </a:r>
-            <a:endParaRPr lang="en-US" sz="1800" dirty="0">
-              <a:latin typeface="Comic Sans MS" pitchFamily="66" charset="0"/>
-            </a:endParaRPr>
+              <a:rPr lang="en-US" sz="1800" dirty="0">
+                <a:latin typeface="Comic Sans MS" pitchFamily="66" charset="0"/>
+              </a:rPr>
+              <a:t>int a, b, c, min;</a:t>
+            </a:r>
           </a:p>
           <a:p>
             <a:pPr>
@@ -22412,13 +22370,7 @@
               <a:rPr lang="en-US" sz="4000" dirty="0" smtClean="0">
                 <a:latin typeface="Comic Sans MS" pitchFamily="66" charset="0"/>
               </a:rPr>
-              <a:t>Check if a number is </a:t>
-            </a:r>
-            <a:r>
-              <a:rPr lang="en-US" sz="4000" dirty="0" smtClean="0">
-                <a:latin typeface="Comic Sans MS" pitchFamily="66" charset="0"/>
-              </a:rPr>
-              <a:t>positive</a:t>
+              <a:t>Check if a number is positive</a:t>
             </a:r>
             <a:endParaRPr lang="en-US" sz="4000" dirty="0">
               <a:latin typeface="Comic Sans MS" pitchFamily="66" charset="0"/>
@@ -22836,14 +22788,11 @@
               <a:buNone/>
             </a:pPr>
             <a:r>
-              <a:rPr lang="en-US" sz="1800" dirty="0" smtClean="0">
-                <a:latin typeface="Comic Sans MS" pitchFamily="66" charset="0"/>
-              </a:rPr>
-              <a:t>int a, b, c;</a:t>
-            </a:r>
-            <a:endParaRPr lang="en-US" sz="1800" dirty="0">
-              <a:latin typeface="Comic Sans MS" pitchFamily="66" charset="0"/>
-            </a:endParaRPr>
+              <a:rPr lang="en-US" sz="1800" dirty="0">
+                <a:latin typeface="Comic Sans MS" pitchFamily="66" charset="0"/>
+              </a:rPr>
+              <a:t>int a, b, c, min;</a:t>
+            </a:r>
           </a:p>
           <a:p>
             <a:pPr>
@@ -23528,14 +23477,11 @@
               <a:buNone/>
             </a:pPr>
             <a:r>
-              <a:rPr lang="en-US" sz="1800" dirty="0" smtClean="0">
-                <a:latin typeface="Comic Sans MS" pitchFamily="66" charset="0"/>
-              </a:rPr>
-              <a:t>int a, b, c;</a:t>
-            </a:r>
-            <a:endParaRPr lang="en-US" sz="1800" dirty="0">
-              <a:latin typeface="Comic Sans MS" pitchFamily="66" charset="0"/>
-            </a:endParaRPr>
+              <a:rPr lang="en-US" sz="1800" dirty="0">
+                <a:latin typeface="Comic Sans MS" pitchFamily="66" charset="0"/>
+              </a:rPr>
+              <a:t>int a, b, c, min;</a:t>
+            </a:r>
           </a:p>
           <a:p>
             <a:pPr>
@@ -24221,14 +24167,11 @@
               <a:buNone/>
             </a:pPr>
             <a:r>
-              <a:rPr lang="en-US" sz="1800" dirty="0" smtClean="0">
-                <a:latin typeface="Comic Sans MS" pitchFamily="66" charset="0"/>
-              </a:rPr>
-              <a:t>int a, b, c;</a:t>
-            </a:r>
-            <a:endParaRPr lang="en-US" sz="1800" dirty="0">
-              <a:latin typeface="Comic Sans MS" pitchFamily="66" charset="0"/>
-            </a:endParaRPr>
+              <a:rPr lang="en-US" sz="1800" dirty="0">
+                <a:latin typeface="Comic Sans MS" pitchFamily="66" charset="0"/>
+              </a:rPr>
+              <a:t>int a, b, c, min;</a:t>
+            </a:r>
           </a:p>
           <a:p>
             <a:pPr>
@@ -24964,14 +24907,11 @@
               <a:buNone/>
             </a:pPr>
             <a:r>
-              <a:rPr lang="en-US" sz="1800" dirty="0" smtClean="0">
-                <a:latin typeface="Comic Sans MS" pitchFamily="66" charset="0"/>
-              </a:rPr>
-              <a:t>int a, b, c;</a:t>
-            </a:r>
-            <a:endParaRPr lang="en-US" sz="1800" dirty="0">
-              <a:latin typeface="Comic Sans MS" pitchFamily="66" charset="0"/>
-            </a:endParaRPr>
+              <a:rPr lang="en-US" sz="1800" dirty="0">
+                <a:latin typeface="Comic Sans MS" pitchFamily="66" charset="0"/>
+              </a:rPr>
+              <a:t>int a, b, c, min;</a:t>
+            </a:r>
           </a:p>
           <a:p>
             <a:pPr>
@@ -25707,14 +25647,11 @@
               <a:buNone/>
             </a:pPr>
             <a:r>
-              <a:rPr lang="en-US" sz="1800" dirty="0" smtClean="0">
-                <a:latin typeface="Comic Sans MS" pitchFamily="66" charset="0"/>
-              </a:rPr>
-              <a:t>int a, b, c;</a:t>
-            </a:r>
-            <a:endParaRPr lang="en-US" sz="1800" dirty="0">
-              <a:latin typeface="Comic Sans MS" pitchFamily="66" charset="0"/>
-            </a:endParaRPr>
+              <a:rPr lang="en-US" sz="1800" dirty="0">
+                <a:latin typeface="Comic Sans MS" pitchFamily="66" charset="0"/>
+              </a:rPr>
+              <a:t>int a, b, c, min;</a:t>
+            </a:r>
           </a:p>
           <a:p>
             <a:pPr>
@@ -26448,14 +26385,11 @@
               <a:buNone/>
             </a:pPr>
             <a:r>
-              <a:rPr lang="en-US" sz="1800" dirty="0" smtClean="0">
-                <a:latin typeface="Comic Sans MS" pitchFamily="66" charset="0"/>
-              </a:rPr>
-              <a:t>int a, b, c;</a:t>
-            </a:r>
-            <a:endParaRPr lang="en-US" sz="1800" dirty="0">
-              <a:latin typeface="Comic Sans MS" pitchFamily="66" charset="0"/>
-            </a:endParaRPr>
+              <a:rPr lang="en-US" sz="1800" dirty="0">
+                <a:latin typeface="Comic Sans MS" pitchFamily="66" charset="0"/>
+              </a:rPr>
+              <a:t>int a, b, c, min;</a:t>
+            </a:r>
           </a:p>
           <a:p>
             <a:pPr>
@@ -27191,14 +27125,11 @@
               <a:buNone/>
             </a:pPr>
             <a:r>
-              <a:rPr lang="en-US" sz="1800" dirty="0" smtClean="0">
-                <a:latin typeface="Comic Sans MS" pitchFamily="66" charset="0"/>
-              </a:rPr>
-              <a:t>int a, b, c;</a:t>
-            </a:r>
-            <a:endParaRPr lang="en-US" sz="1800" dirty="0">
-              <a:latin typeface="Comic Sans MS" pitchFamily="66" charset="0"/>
-            </a:endParaRPr>
+              <a:rPr lang="en-US" sz="1800" dirty="0">
+                <a:latin typeface="Comic Sans MS" pitchFamily="66" charset="0"/>
+              </a:rPr>
+              <a:t>int a, b, c, min;</a:t>
+            </a:r>
           </a:p>
           <a:p>
             <a:pPr>
@@ -27930,14 +27861,11 @@
               <a:buNone/>
             </a:pPr>
             <a:r>
-              <a:rPr lang="en-US" sz="1800" dirty="0" smtClean="0">
-                <a:latin typeface="Comic Sans MS" pitchFamily="66" charset="0"/>
-              </a:rPr>
-              <a:t>int a, b, c;</a:t>
-            </a:r>
-            <a:endParaRPr lang="en-US" sz="1800" dirty="0">
-              <a:latin typeface="Comic Sans MS" pitchFamily="66" charset="0"/>
-            </a:endParaRPr>
+              <a:rPr lang="en-US" sz="1800" dirty="0">
+                <a:latin typeface="Comic Sans MS" pitchFamily="66" charset="0"/>
+              </a:rPr>
+              <a:t>int a, b, c, min;</a:t>
+            </a:r>
           </a:p>
           <a:p>
             <a:pPr>
@@ -28654,7 +28582,7 @@
         </p:nvSpPr>
         <p:spPr>
           <a:xfrm>
-            <a:off x="381000" y="838200"/>
+            <a:off x="381000" y="762000"/>
             <a:ext cx="4343400" cy="6019800"/>
           </a:xfrm>
           <a:ln>
@@ -28673,14 +28601,11 @@
               <a:buNone/>
             </a:pPr>
             <a:r>
-              <a:rPr lang="en-US" sz="1800" dirty="0" smtClean="0">
-                <a:latin typeface="Comic Sans MS" pitchFamily="66" charset="0"/>
-              </a:rPr>
-              <a:t>int a, b, c;</a:t>
-            </a:r>
-            <a:endParaRPr lang="en-US" sz="1800" dirty="0">
-              <a:latin typeface="Comic Sans MS" pitchFamily="66" charset="0"/>
-            </a:endParaRPr>
+              <a:rPr lang="en-US" sz="1800" dirty="0">
+                <a:latin typeface="Comic Sans MS" pitchFamily="66" charset="0"/>
+              </a:rPr>
+              <a:t>int a, b, c, min;</a:t>
+            </a:r>
           </a:p>
           <a:p>
             <a:pPr>
@@ -29378,13 +29303,7 @@
               <a:rPr lang="en-US" sz="4000" dirty="0" smtClean="0">
                 <a:latin typeface="Comic Sans MS" pitchFamily="66" charset="0"/>
               </a:rPr>
-              <a:t>Check if a number is </a:t>
-            </a:r>
-            <a:r>
-              <a:rPr lang="en-US" sz="4000" dirty="0" smtClean="0">
-                <a:latin typeface="Comic Sans MS" pitchFamily="66" charset="0"/>
-              </a:rPr>
-              <a:t>positive</a:t>
+              <a:t>Check if a number is positive</a:t>
             </a:r>
             <a:endParaRPr lang="en-US" sz="4000" dirty="0">
               <a:latin typeface="Comic Sans MS" pitchFamily="66" charset="0"/>
@@ -29766,13 +29685,7 @@
               <a:rPr lang="en-US" sz="4000" dirty="0" smtClean="0">
                 <a:latin typeface="Comic Sans MS" pitchFamily="66" charset="0"/>
               </a:rPr>
-              <a:t>Check if a number is </a:t>
-            </a:r>
-            <a:r>
-              <a:rPr lang="en-US" sz="4000" dirty="0" smtClean="0">
-                <a:latin typeface="Comic Sans MS" pitchFamily="66" charset="0"/>
-              </a:rPr>
-              <a:t>positive</a:t>
+              <a:t>Check if a number is positive</a:t>
             </a:r>
             <a:endParaRPr lang="en-US" sz="4000" dirty="0">
               <a:latin typeface="Comic Sans MS" pitchFamily="66" charset="0"/>
@@ -30166,13 +30079,7 @@
               <a:rPr lang="en-US" sz="4000" dirty="0" smtClean="0">
                 <a:latin typeface="Comic Sans MS" pitchFamily="66" charset="0"/>
               </a:rPr>
-              <a:t>Check if a number is </a:t>
-            </a:r>
-            <a:r>
-              <a:rPr lang="en-US" sz="4000" dirty="0" smtClean="0">
-                <a:latin typeface="Comic Sans MS" pitchFamily="66" charset="0"/>
-              </a:rPr>
-              <a:t>positive</a:t>
+              <a:t>Check if a number is positive</a:t>
             </a:r>
             <a:endParaRPr lang="en-US" sz="4000" dirty="0">
               <a:latin typeface="Comic Sans MS" pitchFamily="66" charset="0"/>
@@ -30566,13 +30473,7 @@
               <a:rPr lang="en-US" sz="4000" dirty="0" smtClean="0">
                 <a:latin typeface="Comic Sans MS" pitchFamily="66" charset="0"/>
               </a:rPr>
-              <a:t>Check if a number is </a:t>
-            </a:r>
-            <a:r>
-              <a:rPr lang="en-US" sz="4000" dirty="0" smtClean="0">
-                <a:latin typeface="Comic Sans MS" pitchFamily="66" charset="0"/>
-              </a:rPr>
-              <a:t>positive</a:t>
+              <a:t>Check if a number is positive</a:t>
             </a:r>
             <a:endParaRPr lang="en-US" sz="4000" dirty="0">
               <a:latin typeface="Comic Sans MS" pitchFamily="66" charset="0"/>
@@ -30880,13 +30781,7 @@
               <a:rPr lang="en-US" sz="2800" dirty="0" smtClean="0">
                 <a:latin typeface="Comic Sans MS" panose="030F0702030302020204" pitchFamily="66" charset="0"/>
               </a:rPr>
-              <a:t>-1</a:t>
-            </a:r>
-            <a:r>
-              <a:rPr lang="en-US" sz="2800" dirty="0" smtClean="0">
-                <a:latin typeface="Comic Sans MS" panose="030F0702030302020204" pitchFamily="66" charset="0"/>
-              </a:rPr>
-              <a:t>0</a:t>
+              <a:t>-10</a:t>
             </a:r>
             <a:endParaRPr lang="en-US" sz="2800" dirty="0">
               <a:latin typeface="Comic Sans MS" panose="030F0702030302020204" pitchFamily="66" charset="0"/>
